--- a/esm-runscripts.pptx
+++ b/esm-runscripts.pptx
@@ -5,7 +5,7 @@
     <p:sldMasterId id="2147483660" r:id="rId1"/>
   </p:sldMasterIdLst>
   <p:notesMasterIdLst>
-    <p:notesMasterId r:id="rId20"/>
+    <p:notesMasterId r:id="rId22"/>
   </p:notesMasterIdLst>
   <p:sldIdLst>
     <p:sldId id="256" r:id="rId2"/>
@@ -24,8 +24,10 @@
     <p:sldId id="273" r:id="rId15"/>
     <p:sldId id="274" r:id="rId16"/>
     <p:sldId id="275" r:id="rId17"/>
-    <p:sldId id="267" r:id="rId18"/>
-    <p:sldId id="266" r:id="rId19"/>
+    <p:sldId id="276" r:id="rId18"/>
+    <p:sldId id="277" r:id="rId19"/>
+    <p:sldId id="267" r:id="rId20"/>
+    <p:sldId id="278" r:id="rId21"/>
   </p:sldIdLst>
   <p:sldSz cx="9144000" cy="6858000" type="screen4x3"/>
   <p:notesSz cx="6858000" cy="9144000"/>
@@ -4192,6 +4194,90 @@
 </p:notes>
 </file>
 
+<file path=ppt/notesSlides/notesSlide10.xml><?xml version="1.0" encoding="utf-8"?>
+<p:notes xmlns:a="http://schemas.openxmlformats.org/drawingml/2006/main" xmlns:r="http://schemas.openxmlformats.org/officeDocument/2006/relationships" xmlns:p="http://schemas.openxmlformats.org/presentationml/2006/main">
+  <p:cSld>
+    <p:spTree>
+      <p:nvGrpSpPr>
+        <p:cNvPr id="1" name=""/>
+        <p:cNvGrpSpPr/>
+        <p:nvPr/>
+      </p:nvGrpSpPr>
+      <p:grpSpPr>
+        <a:xfrm>
+          <a:off x="0" y="0"/>
+          <a:ext cx="0" cy="0"/>
+          <a:chOff x="0" y="0"/>
+          <a:chExt cx="0" cy="0"/>
+        </a:xfrm>
+      </p:grpSpPr>
+      <p:sp>
+        <p:nvSpPr>
+          <p:cNvPr id="2" name="Slide Image Placeholder 1"/>
+          <p:cNvSpPr>
+            <a:spLocks noGrp="1" noRot="1" noChangeAspect="1"/>
+          </p:cNvSpPr>
+          <p:nvPr>
+            <p:ph type="sldImg"/>
+          </p:nvPr>
+        </p:nvSpPr>
+        <p:spPr/>
+      </p:sp>
+      <p:sp>
+        <p:nvSpPr>
+          <p:cNvPr id="3" name="Notes Placeholder 2"/>
+          <p:cNvSpPr>
+            <a:spLocks noGrp="1"/>
+          </p:cNvSpPr>
+          <p:nvPr>
+            <p:ph type="body" idx="1"/>
+          </p:nvPr>
+        </p:nvSpPr>
+        <p:spPr/>
+        <p:txBody>
+          <a:bodyPr/>
+          <a:lstStyle/>
+          <a:p>
+            <a:endParaRPr lang="en-US" dirty="0"/>
+          </a:p>
+        </p:txBody>
+      </p:sp>
+      <p:sp>
+        <p:nvSpPr>
+          <p:cNvPr id="4" name="Slide Number Placeholder 3"/>
+          <p:cNvSpPr>
+            <a:spLocks noGrp="1"/>
+          </p:cNvSpPr>
+          <p:nvPr>
+            <p:ph type="sldNum" sz="quarter" idx="10"/>
+          </p:nvPr>
+        </p:nvSpPr>
+        <p:spPr/>
+        <p:txBody>
+          <a:bodyPr/>
+          <a:lstStyle/>
+          <a:p>
+            <a:fld id="{8D13BD78-A329-1E48-8C24-CCF4F30C6158}" type="slidenum">
+              <a:rPr lang="en-US" smtClean="0"/>
+              <a:t>18</a:t>
+            </a:fld>
+            <a:endParaRPr lang="en-US"/>
+          </a:p>
+        </p:txBody>
+      </p:sp>
+    </p:spTree>
+    <p:extLst>
+      <p:ext uri="{BB962C8B-B14F-4D97-AF65-F5344CB8AC3E}">
+        <p14:creationId xmlns:p14="http://schemas.microsoft.com/office/powerpoint/2010/main" val="323499987"/>
+      </p:ext>
+    </p:extLst>
+  </p:cSld>
+  <p:clrMapOvr>
+    <a:masterClrMapping/>
+  </p:clrMapOvr>
+</p:notes>
+</file>
+
 <file path=ppt/notesSlides/notesSlide2.xml><?xml version="1.0" encoding="utf-8"?>
 <p:notes xmlns:a="http://schemas.openxmlformats.org/drawingml/2006/main" xmlns:r="http://schemas.openxmlformats.org/officeDocument/2006/relationships" xmlns:p="http://schemas.openxmlformats.org/presentationml/2006/main">
   <p:cSld>
@@ -4771,6 +4857,90 @@
     <p:extLst>
       <p:ext uri="{BB962C8B-B14F-4D97-AF65-F5344CB8AC3E}">
         <p14:creationId xmlns:p14="http://schemas.microsoft.com/office/powerpoint/2010/main" val="1654538476"/>
+      </p:ext>
+    </p:extLst>
+  </p:cSld>
+  <p:clrMapOvr>
+    <a:masterClrMapping/>
+  </p:clrMapOvr>
+</p:notes>
+</file>
+
+<file path=ppt/notesSlides/notesSlide9.xml><?xml version="1.0" encoding="utf-8"?>
+<p:notes xmlns:a="http://schemas.openxmlformats.org/drawingml/2006/main" xmlns:r="http://schemas.openxmlformats.org/officeDocument/2006/relationships" xmlns:p="http://schemas.openxmlformats.org/presentationml/2006/main">
+  <p:cSld>
+    <p:spTree>
+      <p:nvGrpSpPr>
+        <p:cNvPr id="1" name=""/>
+        <p:cNvGrpSpPr/>
+        <p:nvPr/>
+      </p:nvGrpSpPr>
+      <p:grpSpPr>
+        <a:xfrm>
+          <a:off x="0" y="0"/>
+          <a:ext cx="0" cy="0"/>
+          <a:chOff x="0" y="0"/>
+          <a:chExt cx="0" cy="0"/>
+        </a:xfrm>
+      </p:grpSpPr>
+      <p:sp>
+        <p:nvSpPr>
+          <p:cNvPr id="2" name="Slide Image Placeholder 1"/>
+          <p:cNvSpPr>
+            <a:spLocks noGrp="1" noRot="1" noChangeAspect="1"/>
+          </p:cNvSpPr>
+          <p:nvPr>
+            <p:ph type="sldImg"/>
+          </p:nvPr>
+        </p:nvSpPr>
+        <p:spPr/>
+      </p:sp>
+      <p:sp>
+        <p:nvSpPr>
+          <p:cNvPr id="3" name="Notes Placeholder 2"/>
+          <p:cNvSpPr>
+            <a:spLocks noGrp="1"/>
+          </p:cNvSpPr>
+          <p:nvPr>
+            <p:ph type="body" idx="1"/>
+          </p:nvPr>
+        </p:nvSpPr>
+        <p:spPr/>
+        <p:txBody>
+          <a:bodyPr/>
+          <a:lstStyle/>
+          <a:p>
+            <a:endParaRPr lang="en-US" dirty="0"/>
+          </a:p>
+        </p:txBody>
+      </p:sp>
+      <p:sp>
+        <p:nvSpPr>
+          <p:cNvPr id="4" name="Slide Number Placeholder 3"/>
+          <p:cNvSpPr>
+            <a:spLocks noGrp="1"/>
+          </p:cNvSpPr>
+          <p:nvPr>
+            <p:ph type="sldNum" sz="quarter" idx="10"/>
+          </p:nvPr>
+        </p:nvSpPr>
+        <p:spPr/>
+        <p:txBody>
+          <a:bodyPr/>
+          <a:lstStyle/>
+          <a:p>
+            <a:fld id="{8D13BD78-A329-1E48-8C24-CCF4F30C6158}" type="slidenum">
+              <a:rPr lang="en-US" smtClean="0"/>
+              <a:t>17</a:t>
+            </a:fld>
+            <a:endParaRPr lang="en-US"/>
+          </a:p>
+        </p:txBody>
+      </p:sp>
+    </p:spTree>
+    <p:extLst>
+      <p:ext uri="{BB962C8B-B14F-4D97-AF65-F5344CB8AC3E}">
+        <p14:creationId xmlns:p14="http://schemas.microsoft.com/office/powerpoint/2010/main" val="1348694495"/>
       </p:ext>
     </p:extLst>
   </p:cSld>
@@ -12481,6 +12651,13 @@
   <p:clrMapOvr>
     <a:masterClrMapping/>
   </p:clrMapOvr>
+  <p:timing>
+    <p:tnLst>
+      <p:par>
+        <p:cTn id="1" dur="indefinite" restart="never" nodeType="tmRoot"/>
+      </p:par>
+    </p:tnLst>
+  </p:timing>
 </p:sld>
 </file>
 
@@ -13000,7 +13177,7 @@
             </a:r>
             <a:r>
               <a:rPr lang="de-DE" dirty="0" err="1" smtClean="0"/>
-              <a:t>folder</a:t>
+              <a:t>folders</a:t>
             </a:r>
             <a:r>
               <a:rPr lang="de-DE" dirty="0" smtClean="0"/>
@@ -14884,13 +15061,21 @@
         <p:spPr/>
         <p:txBody>
           <a:bodyPr>
-            <a:normAutofit/>
+            <a:normAutofit fontScale="90000"/>
           </a:bodyPr>
           <a:lstStyle/>
           <a:p>
             <a:r>
               <a:rPr lang="de-DE" dirty="0" err="1" smtClean="0"/>
-              <a:t>Learn</a:t>
+              <a:t>Branch</a:t>
+            </a:r>
+            <a:r>
+              <a:rPr lang="de-DE" dirty="0" smtClean="0"/>
+              <a:t> off </a:t>
+            </a:r>
+            <a:r>
+              <a:rPr lang="de-DE" dirty="0" err="1" smtClean="0"/>
+              <a:t>from</a:t>
             </a:r>
             <a:r>
               <a:rPr lang="de-DE" dirty="0" smtClean="0"/>
@@ -14898,11 +15083,15 @@
             </a:r>
             <a:r>
               <a:rPr lang="de-DE" dirty="0" err="1" smtClean="0"/>
-              <a:t>more</a:t>
-            </a:r>
-            <a:r>
-              <a:rPr lang="de-DE" dirty="0" smtClean="0"/>
-              <a:t>:</a:t>
+              <a:t>previous</a:t>
+            </a:r>
+            <a:r>
+              <a:rPr lang="de-DE" dirty="0" smtClean="0"/>
+              <a:t> </a:t>
+            </a:r>
+            <a:r>
+              <a:rPr lang="de-DE" dirty="0" err="1" smtClean="0"/>
+              <a:t>experiment</a:t>
             </a:r>
             <a:endParaRPr lang="de-DE" dirty="0"/>
           </a:p>
@@ -14920,8 +15109,8 @@
         </p:nvSpPr>
         <p:spPr>
           <a:xfrm>
-            <a:off x="454526" y="2114886"/>
-            <a:ext cx="8301790" cy="3931920"/>
+            <a:off x="485348" y="2104612"/>
+            <a:ext cx="8161329" cy="3931920"/>
           </a:xfrm>
         </p:spPr>
         <p:txBody>
@@ -14930,164 +15119,31 @@
           </a:bodyPr>
           <a:lstStyle/>
           <a:p>
-            <a:pPr marL="0" indent="0" algn="ctr">
+            <a:pPr marL="0" indent="0">
               <a:spcBef>
                 <a:spcPts val="800"/>
               </a:spcBef>
               <a:buNone/>
             </a:pPr>
             <a:r>
-              <a:rPr lang="de-DE" dirty="0" smtClean="0">
-                <a:latin typeface="STIXNonUnicode-Regular" charset="0"/>
-                <a:ea typeface="STIXNonUnicode-Regular" charset="0"/>
-                <a:cs typeface="STIXNonUnicode-Regular" charset="0"/>
-              </a:rPr>
-              <a:t>Check out </a:t>
-            </a:r>
-            <a:r>
-              <a:rPr lang="de-DE" dirty="0" err="1" smtClean="0">
-                <a:latin typeface="STIXNonUnicode-Regular" charset="0"/>
-                <a:ea typeface="STIXNonUnicode-Regular" charset="0"/>
-                <a:cs typeface="STIXNonUnicode-Regular" charset="0"/>
-              </a:rPr>
-              <a:t>the</a:t>
-            </a:r>
-            <a:r>
-              <a:rPr lang="de-DE" dirty="0" smtClean="0">
-                <a:latin typeface="STIXNonUnicode-Regular" charset="0"/>
-                <a:ea typeface="STIXNonUnicode-Regular" charset="0"/>
-                <a:cs typeface="STIXNonUnicode-Regular" charset="0"/>
-              </a:rPr>
-              <a:t> </a:t>
-            </a:r>
-            <a:r>
-              <a:rPr lang="de-DE" dirty="0" err="1" smtClean="0">
-                <a:latin typeface="STIXNonUnicode-Regular" charset="0"/>
-                <a:ea typeface="STIXNonUnicode-Regular" charset="0"/>
-                <a:cs typeface="STIXNonUnicode-Regular" charset="0"/>
-              </a:rPr>
-              <a:t>documentation</a:t>
-            </a:r>
-            <a:r>
-              <a:rPr lang="de-DE" dirty="0" smtClean="0">
-                <a:latin typeface="STIXNonUnicode-Regular" charset="0"/>
-                <a:ea typeface="STIXNonUnicode-Regular" charset="0"/>
-                <a:cs typeface="STIXNonUnicode-Regular" charset="0"/>
-              </a:rPr>
-              <a:t>, </a:t>
-            </a:r>
-            <a:r>
-              <a:rPr lang="de-DE" dirty="0" err="1" smtClean="0">
-                <a:latin typeface="STIXNonUnicode-Regular" charset="0"/>
-                <a:ea typeface="STIXNonUnicode-Regular" charset="0"/>
-                <a:cs typeface="STIXNonUnicode-Regular" charset="0"/>
-              </a:rPr>
-              <a:t>available</a:t>
-            </a:r>
-            <a:r>
-              <a:rPr lang="de-DE" dirty="0" smtClean="0">
-                <a:latin typeface="STIXNonUnicode-Regular" charset="0"/>
-                <a:ea typeface="STIXNonUnicode-Regular" charset="0"/>
-                <a:cs typeface="STIXNonUnicode-Regular" charset="0"/>
-              </a:rPr>
-              <a:t> </a:t>
-            </a:r>
-            <a:r>
-              <a:rPr lang="de-DE" dirty="0" err="1" smtClean="0">
-                <a:latin typeface="STIXNonUnicode-Regular" charset="0"/>
-                <a:ea typeface="STIXNonUnicode-Regular" charset="0"/>
-                <a:cs typeface="STIXNonUnicode-Regular" charset="0"/>
-              </a:rPr>
-              <a:t>by</a:t>
-            </a:r>
-            <a:r>
-              <a:rPr lang="de-DE" dirty="0" smtClean="0">
-                <a:latin typeface="STIXNonUnicode-Regular" charset="0"/>
-                <a:ea typeface="STIXNonUnicode-Regular" charset="0"/>
-                <a:cs typeface="STIXNonUnicode-Regular" charset="0"/>
-              </a:rPr>
-              <a:t> </a:t>
-            </a:r>
-            <a:r>
-              <a:rPr lang="de-DE" dirty="0" err="1" smtClean="0">
-                <a:latin typeface="STIXNonUnicode-Regular" charset="0"/>
-                <a:ea typeface="STIXNonUnicode-Regular" charset="0"/>
-                <a:cs typeface="STIXNonUnicode-Regular" charset="0"/>
-              </a:rPr>
-              <a:t>typing</a:t>
-            </a:r>
-            <a:r>
-              <a:rPr lang="de-DE" dirty="0" smtClean="0">
-                <a:latin typeface="STIXNonUnicode-Regular" charset="0"/>
-                <a:ea typeface="STIXNonUnicode-Regular" charset="0"/>
-                <a:cs typeface="STIXNonUnicode-Regular" charset="0"/>
-              </a:rPr>
-              <a:t> </a:t>
-            </a:r>
-          </a:p>
-          <a:p>
-            <a:pPr marL="0" indent="0" algn="ctr">
-              <a:spcBef>
-                <a:spcPts val="800"/>
-              </a:spcBef>
-              <a:buNone/>
-            </a:pPr>
-            <a:endParaRPr lang="de-DE" dirty="0" smtClean="0">
-              <a:latin typeface="STIXNonUnicode-Regular" charset="0"/>
-              <a:ea typeface="STIXNonUnicode-Regular" charset="0"/>
-              <a:cs typeface="STIXNonUnicode-Regular" charset="0"/>
-            </a:endParaRPr>
-          </a:p>
-          <a:p>
-            <a:pPr marL="0" indent="0" algn="ctr">
-              <a:spcBef>
-                <a:spcPts val="800"/>
-              </a:spcBef>
-              <a:buNone/>
-            </a:pPr>
-            <a:r>
-              <a:rPr lang="de-DE" dirty="0" smtClean="0">
-                <a:latin typeface="STIXNonUnicode-Regular" charset="0"/>
-                <a:ea typeface="STIXNonUnicode-Regular" charset="0"/>
-                <a:cs typeface="STIXNonUnicode-Regular" charset="0"/>
-              </a:rPr>
-              <a:t>'</a:t>
-            </a:r>
-            <a:r>
-              <a:rPr lang="de-DE" i="1" dirty="0" err="1" smtClean="0">
-                <a:latin typeface="STIXNonUnicode-Regular" charset="0"/>
-                <a:ea typeface="STIXNonUnicode-Regular" charset="0"/>
-                <a:cs typeface="STIXNonUnicode-Regular" charset="0"/>
-              </a:rPr>
-              <a:t>make</a:t>
-            </a:r>
-            <a:r>
-              <a:rPr lang="de-DE" i="1" dirty="0" smtClean="0">
-                <a:latin typeface="STIXNonUnicode-Regular" charset="0"/>
-                <a:ea typeface="STIXNonUnicode-Regular" charset="0"/>
-                <a:cs typeface="STIXNonUnicode-Regular" charset="0"/>
-              </a:rPr>
-              <a:t> </a:t>
-            </a:r>
-            <a:r>
-              <a:rPr lang="de-DE" i="1" dirty="0" err="1" smtClean="0">
-                <a:latin typeface="STIXNonUnicode-Regular" charset="0"/>
-                <a:ea typeface="STIXNonUnicode-Regular" charset="0"/>
-                <a:cs typeface="STIXNonUnicode-Regular" charset="0"/>
-              </a:rPr>
-              <a:t>get-esm-usermanual</a:t>
-            </a:r>
-            <a:r>
-              <a:rPr lang="de-DE" dirty="0" smtClean="0">
-                <a:latin typeface="STIXNonUnicode-Regular" charset="0"/>
-                <a:ea typeface="STIXNonUnicode-Regular" charset="0"/>
-                <a:cs typeface="STIXNonUnicode-Regular" charset="0"/>
-              </a:rPr>
-              <a:t>'</a:t>
-            </a:r>
-          </a:p>
-          <a:p>
-            <a:pPr marL="0" indent="0" algn="ctr">
+              <a:rPr lang="de-DE" dirty="0" err="1" smtClean="0"/>
+              <a:t>LRESUME_model</a:t>
+            </a:r>
+            <a:r>
+              <a:rPr lang="de-DE" dirty="0" smtClean="0"/>
+              <a:t>=1 		(</a:t>
+            </a:r>
+            <a:r>
+              <a:rPr lang="de-DE" dirty="0" err="1" smtClean="0"/>
+              <a:t>default</a:t>
+            </a:r>
+            <a:r>
+              <a:rPr lang="de-DE" dirty="0" smtClean="0"/>
+              <a:t>)</a:t>
+            </a:r>
+          </a:p>
+          <a:p>
+            <a:pPr marL="0" indent="0">
               <a:spcBef>
                 <a:spcPts val="800"/>
               </a:spcBef>
@@ -15096,7 +15152,7 @@
             <a:endParaRPr lang="de-DE" dirty="0" smtClean="0"/>
           </a:p>
           <a:p>
-            <a:pPr marL="0" indent="0" algn="ctr">
+            <a:pPr marL="0" indent="0">
               <a:spcBef>
                 <a:spcPts val="800"/>
               </a:spcBef>
@@ -15104,12 +15160,53 @@
             </a:pPr>
             <a:r>
               <a:rPr lang="de-DE" dirty="0" err="1" smtClean="0"/>
-              <a:t>or</a:t>
+              <a:t>INI_RESTART_DIR_model</a:t>
+            </a:r>
+            <a:r>
+              <a:rPr lang="de-DE" dirty="0" smtClean="0"/>
+              <a:t>=/path1</a:t>
+            </a:r>
+          </a:p>
+          <a:p>
+            <a:pPr marL="0" indent="0">
+              <a:spcBef>
+                <a:spcPts val="800"/>
+              </a:spcBef>
+              <a:buNone/>
+            </a:pPr>
+            <a:r>
+              <a:rPr lang="de-DE" dirty="0" err="1" smtClean="0"/>
+              <a:t>INI_PARENT_DATE_model</a:t>
+            </a:r>
+            <a:r>
+              <a:rPr lang="de-DE" dirty="0" smtClean="0"/>
+              <a:t>=</a:t>
+            </a:r>
+            <a:r>
+              <a:rPr lang="mr-IN" dirty="0" smtClean="0"/>
+              <a:t>…</a:t>
             </a:r>
             <a:endParaRPr lang="de-DE" dirty="0" smtClean="0"/>
           </a:p>
           <a:p>
-            <a:pPr marL="0" indent="0" algn="ctr">
+            <a:pPr marL="0" indent="0">
+              <a:spcBef>
+                <a:spcPts val="800"/>
+              </a:spcBef>
+              <a:buNone/>
+            </a:pPr>
+            <a:r>
+              <a:rPr lang="de-DE" dirty="0" smtClean="0"/>
+              <a:t>INI_PARENT_EXP_ID=</a:t>
+            </a:r>
+            <a:r>
+              <a:rPr lang="mr-IN" dirty="0" smtClean="0"/>
+              <a:t>…</a:t>
+            </a:r>
+            <a:endParaRPr lang="de-DE" dirty="0" smtClean="0"/>
+          </a:p>
+          <a:p>
+            <a:pPr marL="0" indent="0">
               <a:spcBef>
                 <a:spcPts val="800"/>
               </a:spcBef>
@@ -15118,107 +15215,24 @@
             <a:endParaRPr lang="de-DE" dirty="0"/>
           </a:p>
           <a:p>
-            <a:pPr marL="0" indent="0" algn="ctr">
+            <a:pPr marL="0" indent="0">
               <a:spcBef>
                 <a:spcPts val="800"/>
               </a:spcBef>
               <a:buNone/>
             </a:pPr>
             <a:r>
-              <a:rPr lang="de-DE" dirty="0">
-                <a:latin typeface="STIXNonUnicode-Regular" charset="0"/>
-                <a:ea typeface="STIXNonUnicode-Regular" charset="0"/>
-                <a:cs typeface="STIXNonUnicode-Regular" charset="0"/>
-              </a:rPr>
-              <a:t>'</a:t>
-            </a:r>
-            <a:r>
-              <a:rPr lang="de-DE" i="1" dirty="0" err="1" smtClean="0">
-                <a:latin typeface="STIXNonUnicode-Regular" charset="0"/>
-                <a:ea typeface="STIXNonUnicode-Regular" charset="0"/>
-                <a:cs typeface="STIXNonUnicode-Regular" charset="0"/>
-              </a:rPr>
-              <a:t>git</a:t>
-            </a:r>
-            <a:r>
-              <a:rPr lang="de-DE" i="1" dirty="0" smtClean="0">
-                <a:latin typeface="STIXNonUnicode-Regular" charset="0"/>
-                <a:ea typeface="STIXNonUnicode-Regular" charset="0"/>
-                <a:cs typeface="STIXNonUnicode-Regular" charset="0"/>
-              </a:rPr>
-              <a:t> </a:t>
-            </a:r>
-            <a:r>
-              <a:rPr lang="de-DE" i="1" dirty="0" err="1" smtClean="0">
-                <a:latin typeface="STIXNonUnicode-Regular" charset="0"/>
-                <a:ea typeface="STIXNonUnicode-Regular" charset="0"/>
-                <a:cs typeface="STIXNonUnicode-Regular" charset="0"/>
-              </a:rPr>
-              <a:t>clone</a:t>
-            </a:r>
-            <a:r>
-              <a:rPr lang="de-DE" i="1" dirty="0" smtClean="0">
-                <a:latin typeface="STIXNonUnicode-Regular" charset="0"/>
-                <a:ea typeface="STIXNonUnicode-Regular" charset="0"/>
-                <a:cs typeface="STIXNonUnicode-Regular" charset="0"/>
-              </a:rPr>
-              <a:t> https://</a:t>
-            </a:r>
-            <a:r>
-              <a:rPr lang="de-DE" i="1" dirty="0" err="1" smtClean="0">
-                <a:latin typeface="STIXNonUnicode-Regular" charset="0"/>
-                <a:ea typeface="STIXNonUnicode-Regular" charset="0"/>
-                <a:cs typeface="STIXNonUnicode-Regular" charset="0"/>
-              </a:rPr>
-              <a:t>gitlab.dkrz.de</a:t>
-            </a:r>
-            <a:r>
-              <a:rPr lang="de-DE" i="1" dirty="0" smtClean="0">
-                <a:latin typeface="STIXNonUnicode-Regular" charset="0"/>
-                <a:ea typeface="STIXNonUnicode-Regular" charset="0"/>
-                <a:cs typeface="STIXNonUnicode-Regular" charset="0"/>
-              </a:rPr>
-              <a:t>/</a:t>
-            </a:r>
-            <a:r>
-              <a:rPr lang="de-DE" i="1" dirty="0" err="1" smtClean="0">
-                <a:latin typeface="STIXNonUnicode-Regular" charset="0"/>
-                <a:ea typeface="STIXNonUnicode-Regular" charset="0"/>
-                <a:cs typeface="STIXNonUnicode-Regular" charset="0"/>
-              </a:rPr>
-              <a:t>esm</a:t>
-            </a:r>
-            <a:r>
-              <a:rPr lang="de-DE" i="1" dirty="0" smtClean="0">
-                <a:latin typeface="STIXNonUnicode-Regular" charset="0"/>
-                <a:ea typeface="STIXNonUnicode-Regular" charset="0"/>
-                <a:cs typeface="STIXNonUnicode-Regular" charset="0"/>
-              </a:rPr>
-              <a:t>-tools/</a:t>
-            </a:r>
-            <a:r>
-              <a:rPr lang="de-DE" i="1" dirty="0" err="1" smtClean="0">
-                <a:latin typeface="STIXNonUnicode-Regular" charset="0"/>
-                <a:ea typeface="STIXNonUnicode-Regular" charset="0"/>
-                <a:cs typeface="STIXNonUnicode-Regular" charset="0"/>
-              </a:rPr>
-              <a:t>esm-usermanual.git</a:t>
-            </a:r>
-            <a:r>
-              <a:rPr lang="de-DE" dirty="0">
-                <a:latin typeface="STIXNonUnicode-Regular" charset="0"/>
-                <a:ea typeface="STIXNonUnicode-Regular" charset="0"/>
-                <a:cs typeface="STIXNonUnicode-Regular" charset="0"/>
-              </a:rPr>
-              <a:t>'</a:t>
-            </a:r>
+              <a:rPr lang="de-DE" dirty="0" smtClean="0"/>
+              <a:t>    </a:t>
+            </a:r>
+            <a:endParaRPr lang="de-DE" sz="2000" dirty="0" smtClean="0"/>
           </a:p>
         </p:txBody>
       </p:sp>
     </p:spTree>
     <p:extLst>
       <p:ext uri="{BB962C8B-B14F-4D97-AF65-F5344CB8AC3E}">
-        <p14:creationId xmlns:p14="http://schemas.microsoft.com/office/powerpoint/2010/main" val="2029313146"/>
+        <p14:creationId xmlns:p14="http://schemas.microsoft.com/office/powerpoint/2010/main" val="647506892"/>
       </p:ext>
     </p:extLst>
   </p:cSld>
@@ -15271,11 +15285,186 @@
           <a:p>
             <a:r>
               <a:rPr lang="de-DE" dirty="0" smtClean="0"/>
-              <a:t>More </a:t>
-            </a:r>
-            <a:r>
-              <a:rPr lang="de-DE" dirty="0" err="1" smtClean="0"/>
-              <a:t>to</a:t>
+              <a:t>Much </a:t>
+            </a:r>
+            <a:r>
+              <a:rPr lang="de-DE" dirty="0" err="1" smtClean="0"/>
+              <a:t>more</a:t>
+            </a:r>
+            <a:r>
+              <a:rPr lang="mr-IN" dirty="0" smtClean="0"/>
+              <a:t>…</a:t>
+            </a:r>
+            <a:endParaRPr lang="de-DE" dirty="0"/>
+          </a:p>
+        </p:txBody>
+      </p:sp>
+      <p:sp>
+        <p:nvSpPr>
+          <p:cNvPr id="3" name="Inhaltsplatzhalter 2"/>
+          <p:cNvSpPr>
+            <a:spLocks noGrp="1"/>
+          </p:cNvSpPr>
+          <p:nvPr>
+            <p:ph idx="1"/>
+          </p:nvPr>
+        </p:nvSpPr>
+        <p:spPr>
+          <a:xfrm>
+            <a:off x="454526" y="2114886"/>
+            <a:ext cx="8161329" cy="3931920"/>
+          </a:xfrm>
+        </p:spPr>
+        <p:txBody>
+          <a:bodyPr>
+            <a:normAutofit/>
+          </a:bodyPr>
+          <a:lstStyle/>
+          <a:p>
+            <a:pPr>
+              <a:spcBef>
+                <a:spcPts val="800"/>
+              </a:spcBef>
+            </a:pPr>
+            <a:r>
+              <a:rPr lang="de-DE" sz="2000" dirty="0"/>
+              <a:t>I</a:t>
+            </a:r>
+            <a:r>
+              <a:rPr lang="de-DE" sz="2000" dirty="0" smtClean="0"/>
+              <a:t>terative </a:t>
+            </a:r>
+            <a:r>
+              <a:rPr lang="de-DE" sz="2000" dirty="0" err="1" smtClean="0"/>
+              <a:t>coupling</a:t>
+            </a:r>
+            <a:r>
+              <a:rPr lang="de-DE" sz="2000" dirty="0" smtClean="0"/>
+              <a:t> (Paul)</a:t>
+            </a:r>
+          </a:p>
+          <a:p>
+            <a:pPr>
+              <a:spcBef>
+                <a:spcPts val="800"/>
+              </a:spcBef>
+            </a:pPr>
+            <a:r>
+              <a:rPr lang="de-DE" sz="2000" dirty="0" smtClean="0"/>
+              <a:t>Scenarios (1850, 1950, PALEO, </a:t>
+            </a:r>
+            <a:r>
+              <a:rPr lang="mr-IN" sz="2000" dirty="0" smtClean="0"/>
+              <a:t>…</a:t>
+            </a:r>
+            <a:r>
+              <a:rPr lang="de-DE" sz="2000" dirty="0" smtClean="0"/>
+              <a:t>)</a:t>
+            </a:r>
+          </a:p>
+          <a:p>
+            <a:pPr>
+              <a:spcBef>
+                <a:spcPts val="800"/>
+              </a:spcBef>
+            </a:pPr>
+            <a:r>
+              <a:rPr lang="de-DE" sz="2000" dirty="0" err="1" smtClean="0"/>
+              <a:t>hyperthreading</a:t>
+            </a:r>
+            <a:endParaRPr lang="de-DE" sz="2000" dirty="0" smtClean="0"/>
+          </a:p>
+          <a:p>
+            <a:pPr>
+              <a:spcBef>
+                <a:spcPts val="800"/>
+              </a:spcBef>
+            </a:pPr>
+            <a:r>
+              <a:rPr lang="de-DE" sz="2000" dirty="0" err="1" smtClean="0"/>
+              <a:t>xthi</a:t>
+            </a:r>
+            <a:endParaRPr lang="de-DE" sz="2000" dirty="0" smtClean="0"/>
+          </a:p>
+          <a:p>
+            <a:pPr>
+              <a:spcBef>
+                <a:spcPts val="800"/>
+              </a:spcBef>
+            </a:pPr>
+            <a:r>
+              <a:rPr lang="de-DE" sz="2000" dirty="0" err="1" smtClean="0"/>
+              <a:t>beeond</a:t>
+            </a:r>
+            <a:endParaRPr lang="de-DE" sz="2000" dirty="0" smtClean="0"/>
+          </a:p>
+          <a:p>
+            <a:pPr>
+              <a:spcBef>
+                <a:spcPts val="800"/>
+              </a:spcBef>
+            </a:pPr>
+            <a:endParaRPr lang="de-DE" sz="2000" dirty="0" smtClean="0"/>
+          </a:p>
+        </p:txBody>
+      </p:sp>
+    </p:spTree>
+    <p:extLst>
+      <p:ext uri="{BB962C8B-B14F-4D97-AF65-F5344CB8AC3E}">
+        <p14:creationId xmlns:p14="http://schemas.microsoft.com/office/powerpoint/2010/main" val="1781816086"/>
+      </p:ext>
+    </p:extLst>
+  </p:cSld>
+  <p:clrMapOvr>
+    <a:masterClrMapping/>
+  </p:clrMapOvr>
+  <p:timing>
+    <p:tnLst>
+      <p:par>
+        <p:cTn id="1" dur="indefinite" restart="never" nodeType="tmRoot"/>
+      </p:par>
+    </p:tnLst>
+  </p:timing>
+</p:sld>
+</file>
+
+<file path=ppt/slides/slide19.xml><?xml version="1.0" encoding="utf-8"?>
+<p:sld xmlns:a="http://schemas.openxmlformats.org/drawingml/2006/main" xmlns:r="http://schemas.openxmlformats.org/officeDocument/2006/relationships" xmlns:p="http://schemas.openxmlformats.org/presentationml/2006/main">
+  <p:cSld>
+    <p:spTree>
+      <p:nvGrpSpPr>
+        <p:cNvPr id="1" name=""/>
+        <p:cNvGrpSpPr/>
+        <p:nvPr/>
+      </p:nvGrpSpPr>
+      <p:grpSpPr>
+        <a:xfrm>
+          <a:off x="0" y="0"/>
+          <a:ext cx="0" cy="0"/>
+          <a:chOff x="0" y="0"/>
+          <a:chExt cx="0" cy="0"/>
+        </a:xfrm>
+      </p:grpSpPr>
+      <p:sp>
+        <p:nvSpPr>
+          <p:cNvPr id="2" name="Titel 1"/>
+          <p:cNvSpPr>
+            <a:spLocks noGrp="1"/>
+          </p:cNvSpPr>
+          <p:nvPr>
+            <p:ph type="title"/>
+          </p:nvPr>
+        </p:nvSpPr>
+        <p:spPr/>
+        <p:txBody>
+          <a:bodyPr>
+            <a:normAutofit/>
+          </a:bodyPr>
+          <a:lstStyle/>
+          <a:p>
+            <a:r>
+              <a:rPr lang="de-DE" dirty="0" err="1" smtClean="0"/>
+              <a:t>Learn</a:t>
             </a:r>
             <a:r>
               <a:rPr lang="de-DE" dirty="0" smtClean="0"/>
@@ -15283,7 +15472,7 @@
             </a:r>
             <a:r>
               <a:rPr lang="de-DE" dirty="0" err="1" smtClean="0"/>
-              <a:t>come</a:t>
+              <a:t>more</a:t>
             </a:r>
             <a:r>
               <a:rPr lang="de-DE" dirty="0" smtClean="0"/>
@@ -15315,27 +15504,31 @@
           </a:bodyPr>
           <a:lstStyle/>
           <a:p>
-            <a:pPr>
+            <a:pPr marL="0" indent="0" algn="ctr">
               <a:spcBef>
                 <a:spcPts val="800"/>
               </a:spcBef>
+              <a:buNone/>
             </a:pPr>
             <a:r>
               <a:rPr lang="de-DE" dirty="0" smtClean="0">
+                <a:latin typeface="STIXNonUnicode-Regular" charset="0"/>
                 <a:ea typeface="STIXNonUnicode-Regular" charset="0"/>
                 <a:cs typeface="STIXNonUnicode-Regular" charset="0"/>
               </a:rPr>
-              <a:t>Support </a:t>
+              <a:t>Check out </a:t>
             </a:r>
             <a:r>
               <a:rPr lang="de-DE" dirty="0" err="1" smtClean="0">
+                <a:latin typeface="STIXNonUnicode-Regular" charset="0"/>
                 <a:ea typeface="STIXNonUnicode-Regular" charset="0"/>
                 <a:cs typeface="STIXNonUnicode-Regular" charset="0"/>
               </a:rPr>
-              <a:t>for</a:t>
+              <a:t>the</a:t>
             </a:r>
             <a:r>
               <a:rPr lang="de-DE" dirty="0" smtClean="0">
+                <a:latin typeface="STIXNonUnicode-Regular" charset="0"/>
                 <a:ea typeface="STIXNonUnicode-Regular" charset="0"/>
                 <a:cs typeface="STIXNonUnicode-Regular" charset="0"/>
               </a:rPr>
@@ -15343,13 +15536,31 @@
             </a:r>
             <a:r>
               <a:rPr lang="de-DE" dirty="0" err="1" smtClean="0">
+                <a:latin typeface="STIXNonUnicode-Regular" charset="0"/>
                 <a:ea typeface="STIXNonUnicode-Regular" charset="0"/>
                 <a:cs typeface="STIXNonUnicode-Regular" charset="0"/>
               </a:rPr>
-              <a:t>more</a:t>
+              <a:t>documentation</a:t>
             </a:r>
             <a:r>
               <a:rPr lang="de-DE" dirty="0" smtClean="0">
+                <a:latin typeface="STIXNonUnicode-Regular" charset="0"/>
+                <a:ea typeface="STIXNonUnicode-Regular" charset="0"/>
+                <a:cs typeface="STIXNonUnicode-Regular" charset="0"/>
+              </a:rPr>
+              <a:t>, </a:t>
+            </a:r>
+            <a:r>
+              <a:rPr lang="de-DE" dirty="0" err="1" smtClean="0">
+                <a:latin typeface="STIXNonUnicode-Regular" charset="0"/>
+                <a:ea typeface="STIXNonUnicode-Regular" charset="0"/>
+                <a:cs typeface="STIXNonUnicode-Regular" charset="0"/>
+              </a:rPr>
+              <a:t>available</a:t>
+            </a:r>
+            <a:r>
+              <a:rPr lang="de-DE" dirty="0" smtClean="0">
+                <a:latin typeface="STIXNonUnicode-Regular" charset="0"/>
                 <a:ea typeface="STIXNonUnicode-Regular" charset="0"/>
                 <a:cs typeface="STIXNonUnicode-Regular" charset="0"/>
               </a:rPr>
@@ -15357,82 +15568,65 @@
             </a:r>
             <a:r>
               <a:rPr lang="de-DE" dirty="0" err="1" smtClean="0">
+                <a:latin typeface="STIXNonUnicode-Regular" charset="0"/>
                 <a:ea typeface="STIXNonUnicode-Regular" charset="0"/>
                 <a:cs typeface="STIXNonUnicode-Regular" charset="0"/>
               </a:rPr>
-              <a:t>models</a:t>
+              <a:t>by</a:t>
             </a:r>
             <a:r>
               <a:rPr lang="de-DE" dirty="0" smtClean="0">
+                <a:latin typeface="STIXNonUnicode-Regular" charset="0"/>
                 <a:ea typeface="STIXNonUnicode-Regular" charset="0"/>
                 <a:cs typeface="STIXNonUnicode-Regular" charset="0"/>
               </a:rPr>
-              <a:t> (</a:t>
+              <a:t> </a:t>
             </a:r>
             <a:r>
               <a:rPr lang="de-DE" dirty="0" err="1" smtClean="0">
+                <a:latin typeface="STIXNonUnicode-Regular" charset="0"/>
                 <a:ea typeface="STIXNonUnicode-Regular" charset="0"/>
                 <a:cs typeface="STIXNonUnicode-Regular" charset="0"/>
               </a:rPr>
-              <a:t>oifs</a:t>
+              <a:t>typing</a:t>
             </a:r>
             <a:r>
               <a:rPr lang="de-DE" dirty="0" smtClean="0">
+                <a:latin typeface="STIXNonUnicode-Regular" charset="0"/>
                 <a:ea typeface="STIXNonUnicode-Regular" charset="0"/>
                 <a:cs typeface="STIXNonUnicode-Regular" charset="0"/>
               </a:rPr>
-              <a:t>, </a:t>
-            </a:r>
-            <a:r>
-              <a:rPr lang="de-DE" dirty="0" err="1" smtClean="0">
+              <a:t> </a:t>
+            </a:r>
+          </a:p>
+          <a:p>
+            <a:pPr marL="0" indent="0" algn="ctr">
+              <a:spcBef>
+                <a:spcPts val="800"/>
+              </a:spcBef>
+              <a:buNone/>
+            </a:pPr>
+            <a:endParaRPr lang="de-DE" dirty="0" smtClean="0">
+              <a:latin typeface="STIXNonUnicode-Regular" charset="0"/>
+              <a:ea typeface="STIXNonUnicode-Regular" charset="0"/>
+              <a:cs typeface="STIXNonUnicode-Regular" charset="0"/>
+            </a:endParaRPr>
+          </a:p>
+          <a:p>
+            <a:pPr marL="0" indent="0" algn="ctr">
+              <a:spcBef>
+                <a:spcPts val="800"/>
+              </a:spcBef>
+              <a:buNone/>
+            </a:pPr>
+            <a:r>
+              <a:rPr lang="de-DE" dirty="0" smtClean="0">
+                <a:latin typeface="STIXNonUnicode-Regular" charset="0"/>
                 <a:ea typeface="STIXNonUnicode-Regular" charset="0"/>
                 <a:cs typeface="STIXNonUnicode-Regular" charset="0"/>
               </a:rPr>
-              <a:t>nemo</a:t>
-            </a:r>
-            <a:r>
-              <a:rPr lang="de-DE" dirty="0" smtClean="0">
-                <a:ea typeface="STIXNonUnicode-Regular" charset="0"/>
-                <a:cs typeface="STIXNonUnicode-Regular" charset="0"/>
-              </a:rPr>
-              <a:t>, </a:t>
-            </a:r>
-            <a:r>
-              <a:rPr lang="de-DE" dirty="0" err="1" smtClean="0">
-                <a:ea typeface="STIXNonUnicode-Regular" charset="0"/>
-                <a:cs typeface="STIXNonUnicode-Regular" charset="0"/>
-              </a:rPr>
-              <a:t>RecoM</a:t>
-            </a:r>
-            <a:r>
-              <a:rPr lang="de-DE" dirty="0" smtClean="0">
-                <a:ea typeface="STIXNonUnicode-Regular" charset="0"/>
-                <a:cs typeface="STIXNonUnicode-Regular" charset="0"/>
-              </a:rPr>
-              <a:t>, </a:t>
-            </a:r>
-            <a:r>
-              <a:rPr lang="mr-IN" dirty="0" smtClean="0">
-                <a:ea typeface="STIXNonUnicode-Regular" charset="0"/>
-                <a:cs typeface="STIXNonUnicode-Regular" charset="0"/>
-              </a:rPr>
-              <a:t>…</a:t>
-            </a:r>
-            <a:r>
-              <a:rPr lang="de-DE" dirty="0" smtClean="0">
-                <a:ea typeface="STIXNonUnicode-Regular" charset="0"/>
-                <a:cs typeface="STIXNonUnicode-Regular" charset="0"/>
-              </a:rPr>
-              <a:t>)</a:t>
-            </a:r>
-            <a:endParaRPr lang="de-DE" dirty="0" smtClean="0"/>
-          </a:p>
-          <a:p>
-            <a:pPr>
-              <a:spcBef>
-                <a:spcPts val="800"/>
-              </a:spcBef>
-            </a:pPr>
+              <a:t>'</a:t>
+            </a:r>
             <a:r>
               <a:rPr lang="de-DE" i="1" dirty="0" err="1" smtClean="0">
                 <a:latin typeface="STIXNonUnicode-Regular" charset="0"/>
@@ -15447,297 +15641,158 @@
                 <a:ea typeface="STIXNonUnicode-Regular" charset="0"/>
                 <a:cs typeface="STIXNonUnicode-Regular" charset="0"/>
               </a:rPr>
-              <a:t> update-</a:t>
-            </a:r>
-            <a:r>
-              <a:rPr lang="mr-IN" i="1" dirty="0" smtClean="0">
+              <a:t> </a:t>
+            </a:r>
+            <a:r>
+              <a:rPr lang="de-DE" i="1" dirty="0" err="1" smtClean="0">
                 <a:latin typeface="STIXNonUnicode-Regular" charset="0"/>
                 <a:ea typeface="STIXNonUnicode-Regular" charset="0"/>
                 <a:cs typeface="STIXNonUnicode-Regular" charset="0"/>
               </a:rPr>
-              <a:t>…</a:t>
-            </a:r>
-            <a:endParaRPr lang="de-DE" i="1" dirty="0" smtClean="0">
-              <a:latin typeface="STIXNonUnicode-Regular" charset="0"/>
-              <a:ea typeface="STIXNonUnicode-Regular" charset="0"/>
-              <a:cs typeface="STIXNonUnicode-Regular" charset="0"/>
-            </a:endParaRPr>
-          </a:p>
-          <a:p>
-            <a:pPr>
+              <a:t>get-esm-usermanual</a:t>
+            </a:r>
+            <a:r>
+              <a:rPr lang="de-DE" dirty="0" smtClean="0">
+                <a:latin typeface="STIXNonUnicode-Regular" charset="0"/>
+                <a:ea typeface="STIXNonUnicode-Regular" charset="0"/>
+                <a:cs typeface="STIXNonUnicode-Regular" charset="0"/>
+              </a:rPr>
+              <a:t>'</a:t>
+            </a:r>
+          </a:p>
+          <a:p>
+            <a:pPr marL="0" indent="0" algn="ctr">
               <a:spcBef>
                 <a:spcPts val="800"/>
               </a:spcBef>
+              <a:buNone/>
             </a:pPr>
-            <a:r>
-              <a:rPr lang="de-DE" dirty="0" smtClean="0">
+            <a:endParaRPr lang="de-DE" dirty="0" smtClean="0"/>
+          </a:p>
+          <a:p>
+            <a:pPr marL="0" indent="0" algn="ctr">
+              <a:spcBef>
+                <a:spcPts val="800"/>
+              </a:spcBef>
+              <a:buNone/>
+            </a:pPr>
+            <a:r>
+              <a:rPr lang="de-DE" dirty="0" err="1" smtClean="0"/>
+              <a:t>or</a:t>
+            </a:r>
+            <a:endParaRPr lang="de-DE" dirty="0" smtClean="0"/>
+          </a:p>
+          <a:p>
+            <a:pPr marL="0" indent="0" algn="ctr">
+              <a:spcBef>
+                <a:spcPts val="800"/>
+              </a:spcBef>
+              <a:buNone/>
+            </a:pPr>
+            <a:endParaRPr lang="de-DE" dirty="0"/>
+          </a:p>
+          <a:p>
+            <a:pPr marL="0" indent="0" algn="ctr">
+              <a:spcBef>
+                <a:spcPts val="800"/>
+              </a:spcBef>
+              <a:buNone/>
+            </a:pPr>
+            <a:r>
+              <a:rPr lang="de-DE" dirty="0">
+                <a:latin typeface="STIXNonUnicode-Regular" charset="0"/>
                 <a:ea typeface="STIXNonUnicode-Regular" charset="0"/>
                 <a:cs typeface="STIXNonUnicode-Regular" charset="0"/>
               </a:rPr>
-              <a:t>log </a:t>
-            </a:r>
-            <a:r>
-              <a:rPr lang="de-DE" dirty="0" err="1" smtClean="0">
+              <a:t>'</a:t>
+            </a:r>
+            <a:r>
+              <a:rPr lang="de-DE" i="1" dirty="0" err="1" smtClean="0">
+                <a:latin typeface="STIXNonUnicode-Regular" charset="0"/>
                 <a:ea typeface="STIXNonUnicode-Regular" charset="0"/>
                 <a:cs typeface="STIXNonUnicode-Regular" charset="0"/>
               </a:rPr>
-              <a:t>the</a:t>
-            </a:r>
-            <a:r>
-              <a:rPr lang="de-DE" dirty="0" smtClean="0">
+              <a:t>git</a:t>
+            </a:r>
+            <a:r>
+              <a:rPr lang="de-DE" i="1" dirty="0" smtClean="0">
+                <a:latin typeface="STIXNonUnicode-Regular" charset="0"/>
                 <a:ea typeface="STIXNonUnicode-Regular" charset="0"/>
                 <a:cs typeface="STIXNonUnicode-Regular" charset="0"/>
               </a:rPr>
               <a:t> </a:t>
             </a:r>
             <a:r>
-              <a:rPr lang="de-DE" dirty="0" err="1" smtClean="0">
+              <a:rPr lang="de-DE" i="1" dirty="0" err="1" smtClean="0">
+                <a:latin typeface="STIXNonUnicode-Regular" charset="0"/>
                 <a:ea typeface="STIXNonUnicode-Regular" charset="0"/>
                 <a:cs typeface="STIXNonUnicode-Regular" charset="0"/>
               </a:rPr>
-              <a:t>revision</a:t>
-            </a:r>
-            <a:r>
-              <a:rPr lang="de-DE" dirty="0" smtClean="0">
+              <a:t>clone</a:t>
+            </a:r>
+            <a:r>
+              <a:rPr lang="de-DE" i="1" dirty="0" smtClean="0">
+                <a:latin typeface="STIXNonUnicode-Regular" charset="0"/>
                 <a:ea typeface="STIXNonUnicode-Regular" charset="0"/>
                 <a:cs typeface="STIXNonUnicode-Regular" charset="0"/>
               </a:rPr>
-              <a:t> </a:t>
-            </a:r>
-            <a:r>
-              <a:rPr lang="de-DE" dirty="0" err="1" smtClean="0">
+              <a:t> https://</a:t>
+            </a:r>
+            <a:r>
+              <a:rPr lang="de-DE" i="1" dirty="0" err="1" smtClean="0">
+                <a:latin typeface="STIXNonUnicode-Regular" charset="0"/>
                 <a:ea typeface="STIXNonUnicode-Regular" charset="0"/>
                 <a:cs typeface="STIXNonUnicode-Regular" charset="0"/>
               </a:rPr>
-              <a:t>numbers</a:t>
-            </a:r>
-            <a:r>
-              <a:rPr lang="de-DE" dirty="0" smtClean="0">
+              <a:t>gitlab.dkrz.de</a:t>
+            </a:r>
+            <a:r>
+              <a:rPr lang="de-DE" i="1" dirty="0" smtClean="0">
+                <a:latin typeface="STIXNonUnicode-Regular" charset="0"/>
                 <a:ea typeface="STIXNonUnicode-Regular" charset="0"/>
                 <a:cs typeface="STIXNonUnicode-Regular" charset="0"/>
               </a:rPr>
-              <a:t> </a:t>
-            </a:r>
-            <a:r>
-              <a:rPr lang="de-DE" dirty="0" err="1" smtClean="0">
+              <a:t>/</a:t>
+            </a:r>
+            <a:r>
+              <a:rPr lang="de-DE" i="1" dirty="0" err="1" smtClean="0">
+                <a:latin typeface="STIXNonUnicode-Regular" charset="0"/>
                 <a:ea typeface="STIXNonUnicode-Regular" charset="0"/>
                 <a:cs typeface="STIXNonUnicode-Regular" charset="0"/>
               </a:rPr>
-              <a:t>of</a:t>
-            </a:r>
-            <a:r>
-              <a:rPr lang="de-DE" dirty="0" smtClean="0">
+              <a:t>esm</a:t>
+            </a:r>
+            <a:r>
+              <a:rPr lang="de-DE" i="1" dirty="0" smtClean="0">
+                <a:latin typeface="STIXNonUnicode-Regular" charset="0"/>
                 <a:ea typeface="STIXNonUnicode-Regular" charset="0"/>
                 <a:cs typeface="STIXNonUnicode-Regular" charset="0"/>
               </a:rPr>
-              <a:t> all </a:t>
-            </a:r>
-            <a:r>
-              <a:rPr lang="de-DE" dirty="0" err="1" smtClean="0">
+              <a:t>-tools/</a:t>
+            </a:r>
+            <a:r>
+              <a:rPr lang="de-DE" i="1" dirty="0" err="1" smtClean="0">
+                <a:latin typeface="STIXNonUnicode-Regular" charset="0"/>
                 <a:ea typeface="STIXNonUnicode-Regular" charset="0"/>
                 <a:cs typeface="STIXNonUnicode-Regular" charset="0"/>
               </a:rPr>
-              <a:t>involved</a:t>
-            </a:r>
-            <a:r>
-              <a:rPr lang="de-DE" dirty="0" smtClean="0">
+              <a:t>esm-usermanual.git</a:t>
+            </a:r>
+            <a:r>
+              <a:rPr lang="de-DE" dirty="0">
+                <a:latin typeface="STIXNonUnicode-Regular" charset="0"/>
                 <a:ea typeface="STIXNonUnicode-Regular" charset="0"/>
                 <a:cs typeface="STIXNonUnicode-Regular" charset="0"/>
               </a:rPr>
-              <a:t> </a:t>
-            </a:r>
-            <a:r>
-              <a:rPr lang="de-DE" dirty="0" err="1" smtClean="0">
-                <a:ea typeface="STIXNonUnicode-Regular" charset="0"/>
-                <a:cs typeface="STIXNonUnicode-Regular" charset="0"/>
-              </a:rPr>
-              <a:t>tools</a:t>
-            </a:r>
-            <a:r>
-              <a:rPr lang="de-DE" dirty="0" smtClean="0">
-                <a:ea typeface="STIXNonUnicode-Regular" charset="0"/>
-                <a:cs typeface="STIXNonUnicode-Regular" charset="0"/>
-              </a:rPr>
-              <a:t> / </a:t>
-            </a:r>
-            <a:r>
-              <a:rPr lang="de-DE" dirty="0" err="1" smtClean="0">
-                <a:ea typeface="STIXNonUnicode-Regular" charset="0"/>
-                <a:cs typeface="STIXNonUnicode-Regular" charset="0"/>
-              </a:rPr>
-              <a:t>models</a:t>
-            </a:r>
-            <a:r>
-              <a:rPr lang="de-DE" dirty="0" smtClean="0">
-                <a:ea typeface="STIXNonUnicode-Regular" charset="0"/>
-                <a:cs typeface="STIXNonUnicode-Regular" charset="0"/>
-              </a:rPr>
-              <a:t>, save a </a:t>
-            </a:r>
-            <a:r>
-              <a:rPr lang="de-DE" dirty="0" err="1" smtClean="0">
-                <a:ea typeface="STIXNonUnicode-Regular" charset="0"/>
-                <a:cs typeface="STIXNonUnicode-Regular" charset="0"/>
-              </a:rPr>
-              <a:t>copy</a:t>
-            </a:r>
-            <a:r>
-              <a:rPr lang="de-DE" dirty="0" smtClean="0">
-                <a:ea typeface="STIXNonUnicode-Regular" charset="0"/>
-                <a:cs typeface="STIXNonUnicode-Regular" charset="0"/>
-              </a:rPr>
-              <a:t> </a:t>
-            </a:r>
-            <a:r>
-              <a:rPr lang="de-DE" dirty="0" err="1" smtClean="0">
-                <a:ea typeface="STIXNonUnicode-Regular" charset="0"/>
-                <a:cs typeface="STIXNonUnicode-Regular" charset="0"/>
-              </a:rPr>
-              <a:t>of</a:t>
-            </a:r>
-            <a:r>
-              <a:rPr lang="de-DE" dirty="0" smtClean="0">
-                <a:ea typeface="STIXNonUnicode-Regular" charset="0"/>
-                <a:cs typeface="STIXNonUnicode-Regular" charset="0"/>
-              </a:rPr>
-              <a:t> </a:t>
-            </a:r>
-            <a:r>
-              <a:rPr lang="de-DE" dirty="0" err="1" smtClean="0">
-                <a:ea typeface="STIXNonUnicode-Regular" charset="0"/>
-                <a:cs typeface="STIXNonUnicode-Regular" charset="0"/>
-              </a:rPr>
-              <a:t>the</a:t>
-            </a:r>
-            <a:r>
-              <a:rPr lang="de-DE" dirty="0" smtClean="0">
-                <a:ea typeface="STIXNonUnicode-Regular" charset="0"/>
-                <a:cs typeface="STIXNonUnicode-Regular" charset="0"/>
-              </a:rPr>
-              <a:t> </a:t>
-            </a:r>
-            <a:r>
-              <a:rPr lang="de-DE" dirty="0" err="1" smtClean="0">
-                <a:ea typeface="STIXNonUnicode-Regular" charset="0"/>
-                <a:cs typeface="STIXNonUnicode-Regular" charset="0"/>
-              </a:rPr>
-              <a:t>used</a:t>
-            </a:r>
-            <a:r>
-              <a:rPr lang="de-DE" dirty="0" smtClean="0">
-                <a:ea typeface="STIXNonUnicode-Regular" charset="0"/>
-                <a:cs typeface="STIXNonUnicode-Regular" charset="0"/>
-              </a:rPr>
-              <a:t> </a:t>
-            </a:r>
-            <a:r>
-              <a:rPr lang="de-DE" dirty="0" err="1" smtClean="0">
-                <a:ea typeface="STIXNonUnicode-Regular" charset="0"/>
-                <a:cs typeface="STIXNonUnicode-Regular" charset="0"/>
-              </a:rPr>
-              <a:t>runscript-functions</a:t>
-            </a:r>
-            <a:endParaRPr lang="de-DE" dirty="0" smtClean="0"/>
-          </a:p>
-          <a:p>
-            <a:pPr>
-              <a:spcBef>
-                <a:spcPts val="800"/>
-              </a:spcBef>
-            </a:pPr>
-            <a:r>
-              <a:rPr lang="de-DE" dirty="0" err="1" smtClean="0"/>
-              <a:t>any</a:t>
-            </a:r>
-            <a:r>
-              <a:rPr lang="de-DE" dirty="0" smtClean="0"/>
-              <a:t> </a:t>
-            </a:r>
-            <a:r>
-              <a:rPr lang="de-DE" dirty="0" err="1" smtClean="0"/>
-              <a:t>ideas</a:t>
-            </a:r>
-            <a:r>
-              <a:rPr lang="de-DE" dirty="0" smtClean="0"/>
-              <a:t> </a:t>
-            </a:r>
-            <a:r>
-              <a:rPr lang="de-DE" dirty="0" err="1" smtClean="0"/>
-              <a:t>from</a:t>
-            </a:r>
-            <a:r>
-              <a:rPr lang="de-DE" dirty="0" smtClean="0"/>
-              <a:t> </a:t>
-            </a:r>
-            <a:r>
-              <a:rPr lang="de-DE" dirty="0" err="1" smtClean="0"/>
-              <a:t>your</a:t>
-            </a:r>
-            <a:r>
-              <a:rPr lang="de-DE" dirty="0" smtClean="0"/>
-              <a:t> </a:t>
-            </a:r>
-            <a:r>
-              <a:rPr lang="de-DE" dirty="0" err="1" smtClean="0"/>
-              <a:t>side</a:t>
-            </a:r>
-            <a:r>
-              <a:rPr lang="de-DE" dirty="0" smtClean="0"/>
-              <a:t> (</a:t>
-            </a:r>
-            <a:r>
-              <a:rPr lang="de-DE" dirty="0" err="1" smtClean="0"/>
-              <a:t>Please</a:t>
-            </a:r>
-            <a:r>
-              <a:rPr lang="de-DE" dirty="0" smtClean="0"/>
-              <a:t> </a:t>
-            </a:r>
-            <a:r>
-              <a:rPr lang="de-DE" dirty="0" err="1" smtClean="0"/>
-              <a:t>let</a:t>
-            </a:r>
-            <a:r>
-              <a:rPr lang="de-DE" dirty="0" smtClean="0"/>
-              <a:t> </a:t>
-            </a:r>
-            <a:r>
-              <a:rPr lang="de-DE" dirty="0" err="1" smtClean="0"/>
-              <a:t>me</a:t>
-            </a:r>
-            <a:r>
-              <a:rPr lang="de-DE" dirty="0" smtClean="0"/>
-              <a:t> </a:t>
-            </a:r>
-            <a:r>
-              <a:rPr lang="de-DE" dirty="0" err="1" smtClean="0"/>
-              <a:t>know</a:t>
-            </a:r>
-            <a:r>
-              <a:rPr lang="de-DE" dirty="0" smtClean="0"/>
-              <a:t>, </a:t>
-            </a:r>
-            <a:r>
-              <a:rPr lang="de-DE" dirty="0" smtClean="0">
-                <a:solidFill>
-                  <a:schemeClr val="accent3"/>
-                </a:solidFill>
-                <a:hlinkClick r:id="rId2"/>
-              </a:rPr>
-              <a:t>dirk.barbi@awi.de</a:t>
-            </a:r>
-            <a:r>
-              <a:rPr lang="de-DE" dirty="0" smtClean="0"/>
-              <a:t>, -1561)</a:t>
-            </a:r>
-            <a:endParaRPr lang="de-DE" dirty="0"/>
+              <a:t>'</a:t>
+            </a:r>
           </a:p>
         </p:txBody>
       </p:sp>
     </p:spTree>
     <p:extLst>
       <p:ext uri="{BB962C8B-B14F-4D97-AF65-F5344CB8AC3E}">
-        <p14:creationId xmlns:p14="http://schemas.microsoft.com/office/powerpoint/2010/main" val="1207478559"/>
+        <p14:creationId xmlns:p14="http://schemas.microsoft.com/office/powerpoint/2010/main" val="2029313146"/>
       </p:ext>
     </p:extLst>
   </p:cSld>
@@ -16123,6 +16178,482 @@
     <p:extLst>
       <p:ext uri="{BB962C8B-B14F-4D97-AF65-F5344CB8AC3E}">
         <p14:creationId xmlns:p14="http://schemas.microsoft.com/office/powerpoint/2010/main" val="1727852475"/>
+      </p:ext>
+    </p:extLst>
+  </p:cSld>
+  <p:clrMapOvr>
+    <a:masterClrMapping/>
+  </p:clrMapOvr>
+  <p:timing>
+    <p:tnLst>
+      <p:par>
+        <p:cTn id="1" dur="indefinite" restart="never" nodeType="tmRoot"/>
+      </p:par>
+    </p:tnLst>
+  </p:timing>
+</p:sld>
+</file>
+
+<file path=ppt/slides/slide20.xml><?xml version="1.0" encoding="utf-8"?>
+<p:sld xmlns:a="http://schemas.openxmlformats.org/drawingml/2006/main" xmlns:r="http://schemas.openxmlformats.org/officeDocument/2006/relationships" xmlns:p="http://schemas.openxmlformats.org/presentationml/2006/main">
+  <p:cSld>
+    <p:spTree>
+      <p:nvGrpSpPr>
+        <p:cNvPr id="1" name=""/>
+        <p:cNvGrpSpPr/>
+        <p:nvPr/>
+      </p:nvGrpSpPr>
+      <p:grpSpPr>
+        <a:xfrm>
+          <a:off x="0" y="0"/>
+          <a:ext cx="0" cy="0"/>
+          <a:chOff x="0" y="0"/>
+          <a:chExt cx="0" cy="0"/>
+        </a:xfrm>
+      </p:grpSpPr>
+      <p:sp>
+        <p:nvSpPr>
+          <p:cNvPr id="2" name="Titel 1"/>
+          <p:cNvSpPr>
+            <a:spLocks noGrp="1"/>
+          </p:cNvSpPr>
+          <p:nvPr>
+            <p:ph type="title"/>
+          </p:nvPr>
+        </p:nvSpPr>
+        <p:spPr>
+          <a:xfrm>
+            <a:off x="900114" y="-13149"/>
+            <a:ext cx="7345362" cy="1339850"/>
+          </a:xfrm>
+        </p:spPr>
+        <p:txBody>
+          <a:bodyPr>
+            <a:normAutofit/>
+          </a:bodyPr>
+          <a:lstStyle/>
+          <a:p>
+            <a:r>
+              <a:rPr lang="de-DE" dirty="0" smtClean="0"/>
+              <a:t>More </a:t>
+            </a:r>
+            <a:r>
+              <a:rPr lang="de-DE" dirty="0" err="1" smtClean="0"/>
+              <a:t>to</a:t>
+            </a:r>
+            <a:r>
+              <a:rPr lang="de-DE" dirty="0" smtClean="0"/>
+              <a:t> </a:t>
+            </a:r>
+            <a:r>
+              <a:rPr lang="de-DE" dirty="0" err="1" smtClean="0"/>
+              <a:t>come</a:t>
+            </a:r>
+            <a:r>
+              <a:rPr lang="de-DE" dirty="0" smtClean="0"/>
+              <a:t>:</a:t>
+            </a:r>
+            <a:endParaRPr lang="de-DE" dirty="0"/>
+          </a:p>
+        </p:txBody>
+      </p:sp>
+      <p:sp>
+        <p:nvSpPr>
+          <p:cNvPr id="3" name="Inhaltsplatzhalter 2"/>
+          <p:cNvSpPr>
+            <a:spLocks noGrp="1"/>
+          </p:cNvSpPr>
+          <p:nvPr>
+            <p:ph idx="1"/>
+          </p:nvPr>
+        </p:nvSpPr>
+        <p:spPr>
+          <a:xfrm>
+            <a:off x="454526" y="2114886"/>
+            <a:ext cx="8301790" cy="3931920"/>
+          </a:xfrm>
+        </p:spPr>
+        <p:txBody>
+          <a:bodyPr>
+            <a:normAutofit fontScale="55000" lnSpcReduction="20000"/>
+          </a:bodyPr>
+          <a:lstStyle/>
+          <a:p>
+            <a:pPr>
+              <a:spcBef>
+                <a:spcPts val="800"/>
+              </a:spcBef>
+            </a:pPr>
+            <a:r>
+              <a:rPr lang="de-DE" dirty="0" smtClean="0"/>
+              <a:t>WISO </a:t>
+            </a:r>
+            <a:r>
+              <a:rPr lang="de-DE" dirty="0" err="1" smtClean="0"/>
+              <a:t>module</a:t>
+            </a:r>
+            <a:r>
+              <a:rPr lang="de-DE" dirty="0" smtClean="0"/>
+              <a:t> (Alexandre)</a:t>
+            </a:r>
+          </a:p>
+          <a:p>
+            <a:pPr>
+              <a:spcBef>
+                <a:spcPts val="800"/>
+              </a:spcBef>
+            </a:pPr>
+            <a:r>
+              <a:rPr lang="de-DE" dirty="0" err="1" smtClean="0"/>
+              <a:t>REcoM</a:t>
+            </a:r>
+            <a:r>
+              <a:rPr lang="de-DE" dirty="0" smtClean="0"/>
+              <a:t> </a:t>
+            </a:r>
+            <a:r>
+              <a:rPr lang="de-DE" dirty="0" err="1" smtClean="0"/>
+              <a:t>module</a:t>
+            </a:r>
+            <a:r>
+              <a:rPr lang="de-DE" dirty="0" smtClean="0"/>
+              <a:t> (</a:t>
+            </a:r>
+            <a:r>
+              <a:rPr lang="de-DE" dirty="0" err="1" smtClean="0"/>
+              <a:t>Ozgur</a:t>
+            </a:r>
+            <a:r>
+              <a:rPr lang="de-DE" dirty="0" smtClean="0"/>
+              <a:t>)</a:t>
+            </a:r>
+          </a:p>
+          <a:p>
+            <a:pPr>
+              <a:spcBef>
+                <a:spcPts val="800"/>
+              </a:spcBef>
+            </a:pPr>
+            <a:r>
+              <a:rPr lang="de-DE" dirty="0" err="1" smtClean="0"/>
+              <a:t>oIFS</a:t>
+            </a:r>
+            <a:r>
+              <a:rPr lang="de-DE" dirty="0" smtClean="0"/>
+              <a:t> (Jan)</a:t>
+            </a:r>
+            <a:endParaRPr lang="de-DE" dirty="0" smtClean="0"/>
+          </a:p>
+          <a:p>
+            <a:pPr>
+              <a:spcBef>
+                <a:spcPts val="800"/>
+              </a:spcBef>
+            </a:pPr>
+            <a:r>
+              <a:rPr lang="de-DE" dirty="0" err="1" smtClean="0"/>
+              <a:t>Masnum</a:t>
+            </a:r>
+            <a:r>
+              <a:rPr lang="de-DE" dirty="0" smtClean="0"/>
+              <a:t> (</a:t>
+            </a:r>
+            <a:r>
+              <a:rPr lang="de-DE" dirty="0" err="1" smtClean="0"/>
+              <a:t>Shizhu</a:t>
+            </a:r>
+            <a:r>
+              <a:rPr lang="de-DE" dirty="0" smtClean="0"/>
+              <a:t>)</a:t>
+            </a:r>
+          </a:p>
+          <a:p>
+            <a:pPr>
+              <a:spcBef>
+                <a:spcPts val="800"/>
+              </a:spcBef>
+            </a:pPr>
+            <a:r>
+              <a:rPr lang="de-DE" dirty="0" smtClean="0"/>
+              <a:t>(NEMO)</a:t>
+            </a:r>
+          </a:p>
+          <a:p>
+            <a:pPr>
+              <a:spcBef>
+                <a:spcPts val="800"/>
+              </a:spcBef>
+            </a:pPr>
+            <a:r>
+              <a:rPr lang="de-DE" dirty="0" smtClean="0"/>
+              <a:t>Visual Monitoring (Christian R)</a:t>
+            </a:r>
+          </a:p>
+          <a:p>
+            <a:pPr>
+              <a:spcBef>
+                <a:spcPts val="800"/>
+              </a:spcBef>
+            </a:pPr>
+            <a:r>
+              <a:rPr lang="de-DE" dirty="0" smtClean="0"/>
+              <a:t>Error Monitoring (Dirk)</a:t>
+            </a:r>
+          </a:p>
+          <a:p>
+            <a:pPr>
+              <a:spcBef>
+                <a:spcPts val="800"/>
+              </a:spcBef>
+            </a:pPr>
+            <a:r>
+              <a:rPr lang="de-DE" dirty="0" err="1" smtClean="0"/>
+              <a:t>Postprocessing</a:t>
+            </a:r>
+            <a:r>
+              <a:rPr lang="de-DE" dirty="0" smtClean="0"/>
+              <a:t> (Paul)</a:t>
+            </a:r>
+          </a:p>
+          <a:p>
+            <a:pPr>
+              <a:spcBef>
+                <a:spcPts val="800"/>
+              </a:spcBef>
+            </a:pPr>
+            <a:r>
+              <a:rPr lang="de-DE" dirty="0" smtClean="0"/>
+              <a:t>Standard Tests (Nadine, </a:t>
+            </a:r>
+            <a:r>
+              <a:rPr lang="de-DE" dirty="0" err="1" smtClean="0"/>
+              <a:t>Tido</a:t>
+            </a:r>
+            <a:r>
+              <a:rPr lang="de-DE" dirty="0" smtClean="0"/>
+              <a:t>)</a:t>
+            </a:r>
+          </a:p>
+          <a:p>
+            <a:pPr>
+              <a:spcBef>
+                <a:spcPts val="800"/>
+              </a:spcBef>
+            </a:pPr>
+            <a:r>
+              <a:rPr lang="de-DE" dirty="0" err="1" smtClean="0"/>
+              <a:t>cmor</a:t>
+            </a:r>
+            <a:r>
+              <a:rPr lang="de-DE" dirty="0" smtClean="0"/>
+              <a:t> (Christian S)</a:t>
+            </a:r>
+          </a:p>
+          <a:p>
+            <a:pPr>
+              <a:spcBef>
+                <a:spcPts val="800"/>
+              </a:spcBef>
+            </a:pPr>
+            <a:r>
+              <a:rPr lang="de-DE" dirty="0" err="1" smtClean="0"/>
+              <a:t>yac</a:t>
+            </a:r>
+            <a:r>
+              <a:rPr lang="de-DE" dirty="0" smtClean="0"/>
+              <a:t> (?)</a:t>
+            </a:r>
+          </a:p>
+          <a:p>
+            <a:pPr>
+              <a:spcBef>
+                <a:spcPts val="800"/>
+              </a:spcBef>
+            </a:pPr>
+            <a:r>
+              <a:rPr lang="de-DE" dirty="0" err="1" smtClean="0"/>
+              <a:t>testing</a:t>
+            </a:r>
+            <a:r>
+              <a:rPr lang="de-DE" dirty="0" smtClean="0"/>
+              <a:t>/</a:t>
+            </a:r>
+            <a:r>
+              <a:rPr lang="de-DE" dirty="0" err="1" smtClean="0"/>
+              <a:t>reporting</a:t>
+            </a:r>
+            <a:endParaRPr lang="de-DE" dirty="0" smtClean="0"/>
+          </a:p>
+          <a:p>
+            <a:pPr>
+              <a:spcBef>
+                <a:spcPts val="800"/>
+              </a:spcBef>
+            </a:pPr>
+            <a:r>
+              <a:rPr lang="de-DE" dirty="0" err="1" smtClean="0"/>
+              <a:t>documentation</a:t>
+            </a:r>
+            <a:endParaRPr lang="de-DE" dirty="0" smtClean="0"/>
+          </a:p>
+          <a:p>
+            <a:pPr>
+              <a:spcBef>
+                <a:spcPts val="800"/>
+              </a:spcBef>
+            </a:pPr>
+            <a:r>
+              <a:rPr lang="de-DE" dirty="0" err="1" smtClean="0"/>
+              <a:t>meet</a:t>
+            </a:r>
+            <a:r>
+              <a:rPr lang="de-DE" dirty="0" smtClean="0"/>
+              <a:t> 1/</a:t>
+            </a:r>
+            <a:r>
+              <a:rPr lang="de-DE" dirty="0" err="1" smtClean="0"/>
+              <a:t>month</a:t>
+            </a:r>
+            <a:r>
+              <a:rPr lang="de-DE" dirty="0" smtClean="0"/>
+              <a:t> (</a:t>
+            </a:r>
+            <a:r>
+              <a:rPr lang="de-DE" dirty="0" err="1" smtClean="0"/>
+              <a:t>every</a:t>
+            </a:r>
+            <a:r>
+              <a:rPr lang="de-DE" dirty="0" smtClean="0"/>
+              <a:t> </a:t>
+            </a:r>
+            <a:r>
+              <a:rPr lang="de-DE" dirty="0" err="1" smtClean="0"/>
+              <a:t>first</a:t>
+            </a:r>
+            <a:r>
+              <a:rPr lang="de-DE" dirty="0" smtClean="0"/>
+              <a:t> </a:t>
+            </a:r>
+            <a:r>
+              <a:rPr lang="de-DE" dirty="0" err="1" smtClean="0"/>
+              <a:t>Tuesday</a:t>
+            </a:r>
+            <a:r>
+              <a:rPr lang="de-DE" dirty="0" smtClean="0"/>
+              <a:t> </a:t>
+            </a:r>
+            <a:r>
+              <a:rPr lang="de-DE" dirty="0" err="1" smtClean="0"/>
+              <a:t>of</a:t>
+            </a:r>
+            <a:r>
+              <a:rPr lang="de-DE" dirty="0" smtClean="0"/>
+              <a:t> </a:t>
+            </a:r>
+            <a:r>
+              <a:rPr lang="de-DE" dirty="0" err="1" smtClean="0"/>
+              <a:t>the</a:t>
+            </a:r>
+            <a:r>
+              <a:rPr lang="de-DE" dirty="0" smtClean="0"/>
+              <a:t> </a:t>
+            </a:r>
+            <a:r>
+              <a:rPr lang="de-DE" dirty="0" err="1" smtClean="0"/>
+              <a:t>month</a:t>
+            </a:r>
+            <a:r>
+              <a:rPr lang="de-DE" dirty="0" smtClean="0"/>
+              <a:t>)</a:t>
+            </a:r>
+            <a:endParaRPr lang="de-DE" dirty="0"/>
+          </a:p>
+        </p:txBody>
+      </p:sp>
+      <p:sp>
+        <p:nvSpPr>
+          <p:cNvPr id="4" name="TextBox 3"/>
+          <p:cNvSpPr txBox="1"/>
+          <p:nvPr/>
+        </p:nvSpPr>
+        <p:spPr>
+          <a:xfrm>
+            <a:off x="249989" y="933017"/>
+            <a:ext cx="8710863" cy="646331"/>
+          </a:xfrm>
+          <a:prstGeom prst="rect">
+            <a:avLst/>
+          </a:prstGeom>
+          <a:noFill/>
+        </p:spPr>
+        <p:txBody>
+          <a:bodyPr wrap="square" rtlCol="0">
+            <a:spAutoFit/>
+          </a:bodyPr>
+          <a:lstStyle/>
+          <a:p>
+            <a:r>
+              <a:rPr lang="en-US" u="sng" dirty="0" smtClean="0"/>
+              <a:t>Team:</a:t>
+            </a:r>
+            <a:r>
+              <a:rPr lang="en-US" dirty="0" smtClean="0"/>
+              <a:t> Paul, Christopher, Christian S, Christian R, </a:t>
+            </a:r>
+            <a:r>
+              <a:rPr lang="en-US" dirty="0" err="1" smtClean="0"/>
+              <a:t>Ozgur</a:t>
+            </a:r>
+            <a:r>
+              <a:rPr lang="en-US" dirty="0" smtClean="0"/>
+              <a:t>, Sebastian, Alexandre, Jan, </a:t>
+            </a:r>
+            <a:r>
+              <a:rPr lang="en-US" dirty="0" err="1" smtClean="0"/>
+              <a:t>Shizhu</a:t>
+            </a:r>
+            <a:r>
+              <a:rPr lang="en-US" dirty="0" smtClean="0"/>
+              <a:t> </a:t>
+            </a:r>
+            <a:endParaRPr lang="en-US" dirty="0"/>
+          </a:p>
+        </p:txBody>
+      </p:sp>
+      <p:sp>
+        <p:nvSpPr>
+          <p:cNvPr id="5" name="TextBox 4"/>
+          <p:cNvSpPr txBox="1"/>
+          <p:nvPr/>
+        </p:nvSpPr>
+        <p:spPr>
+          <a:xfrm>
+            <a:off x="3898232" y="3185962"/>
+            <a:ext cx="4347244" cy="369332"/>
+          </a:xfrm>
+          <a:prstGeom prst="rect">
+            <a:avLst/>
+          </a:prstGeom>
+          <a:noFill/>
+        </p:spPr>
+        <p:txBody>
+          <a:bodyPr wrap="square" rtlCol="0">
+            <a:spAutoFit/>
+          </a:bodyPr>
+          <a:lstStyle/>
+          <a:p>
+            <a:r>
+              <a:rPr lang="en-US" b="1" u="sng" dirty="0" smtClean="0"/>
+              <a:t>Next Meeting: Tuesday August 7, 9 a.m.</a:t>
+            </a:r>
+            <a:endParaRPr lang="en-US" b="1" u="sng" dirty="0"/>
+          </a:p>
+        </p:txBody>
+      </p:sp>
+    </p:spTree>
+    <p:extLst>
+      <p:ext uri="{BB962C8B-B14F-4D97-AF65-F5344CB8AC3E}">
+        <p14:creationId xmlns:p14="http://schemas.microsoft.com/office/powerpoint/2010/main" val="463976491"/>
       </p:ext>
     </p:extLst>
   </p:cSld>
@@ -16960,7 +17491,7 @@
         </p:spPr>
         <p:txBody>
           <a:bodyPr>
-            <a:normAutofit fontScale="92500"/>
+            <a:normAutofit fontScale="92500" lnSpcReduction="20000"/>
           </a:bodyPr>
           <a:lstStyle/>
           <a:p>
@@ -17228,6 +17759,27 @@
                 <a:cs typeface="STIXNonUnicode-Regular" charset="0"/>
               </a:rPr>
               <a:t> (T63)</a:t>
+            </a:r>
+          </a:p>
+          <a:p>
+            <a:pPr>
+              <a:spcBef>
+                <a:spcPts val="800"/>
+              </a:spcBef>
+            </a:pPr>
+            <a:r>
+              <a:rPr lang="de-DE" sz="2000" dirty="0" err="1" smtClean="0">
+                <a:ea typeface="STIXNonUnicode-Regular" charset="0"/>
+                <a:cs typeface="STIXNonUnicode-Regular" charset="0"/>
+              </a:rPr>
+              <a:t>SCENARIO_echam</a:t>
+            </a:r>
+            <a:r>
+              <a:rPr lang="de-DE" sz="2000" dirty="0" smtClean="0">
+                <a:ea typeface="STIXNonUnicode-Regular" charset="0"/>
+                <a:cs typeface="STIXNonUnicode-Regular" charset="0"/>
+              </a:rPr>
+              <a:t> (HIST)</a:t>
             </a:r>
           </a:p>
           <a:p>
@@ -17375,7 +17927,7 @@
             </a:r>
             <a:r>
               <a:rPr lang="de-DE" dirty="0" err="1" smtClean="0"/>
-              <a:t>example</a:t>
+              <a:t>examples</a:t>
             </a:r>
             <a:endParaRPr lang="de-DE" dirty="0"/>
           </a:p>
@@ -17403,11 +17955,50 @@
           </a:bodyPr>
           <a:lstStyle/>
           <a:p>
-            <a:pPr marL="0" indent="0" algn="ctr">
+            <a:pPr algn="ctr">
               <a:spcBef>
                 <a:spcPts val="800"/>
               </a:spcBef>
-              <a:buNone/>
+            </a:pPr>
+            <a:r>
+              <a:rPr lang="de-DE" dirty="0" err="1" smtClean="0"/>
+              <a:t>esm-runscripts</a:t>
+            </a:r>
+            <a:r>
+              <a:rPr lang="de-DE" dirty="0" smtClean="0"/>
+              <a:t>/</a:t>
+            </a:r>
+            <a:r>
+              <a:rPr lang="de-DE" dirty="0" err="1" smtClean="0"/>
+              <a:t>runscripts</a:t>
+            </a:r>
+            <a:endParaRPr lang="de-DE" dirty="0" smtClean="0"/>
+          </a:p>
+          <a:p>
+            <a:pPr algn="ctr">
+              <a:spcBef>
+                <a:spcPts val="800"/>
+              </a:spcBef>
+            </a:pPr>
+            <a:r>
+              <a:rPr lang="de-DE" dirty="0" err="1" smtClean="0"/>
+              <a:t>esm</a:t>
+            </a:r>
+            <a:r>
+              <a:rPr lang="de-DE" dirty="0" smtClean="0"/>
+              <a:t>-master/</a:t>
+            </a:r>
+            <a:r>
+              <a:rPr lang="de-DE" dirty="0" err="1" smtClean="0"/>
+              <a:t>preconfigured_runscripts</a:t>
+            </a:r>
+            <a:endParaRPr lang="de-DE" dirty="0" smtClean="0"/>
+          </a:p>
+          <a:p>
+            <a:pPr algn="ctr">
+              <a:spcBef>
+                <a:spcPts val="800"/>
+              </a:spcBef>
             </a:pPr>
             <a:endParaRPr lang="de-DE" dirty="0"/>
           </a:p>
@@ -17718,6 +18309,13 @@
   <p:clrMapOvr>
     <a:masterClrMapping/>
   </p:clrMapOvr>
+  <p:timing>
+    <p:tnLst>
+      <p:par>
+        <p:cTn id="1" dur="indefinite" restart="never" nodeType="tmRoot"/>
+      </p:par>
+    </p:tnLst>
+  </p:timing>
 </p:sld>
 </file>
 
@@ -17961,6 +18559,13 @@
   <p:clrMapOvr>
     <a:masterClrMapping/>
   </p:clrMapOvr>
+  <p:timing>
+    <p:tnLst>
+      <p:par>
+        <p:cTn id="1" dur="indefinite" restart="never" nodeType="tmRoot"/>
+      </p:par>
+    </p:tnLst>
+  </p:timing>
 </p:sld>
 </file>
 
